--- a/Deep_Neural_Networks_Module.pptx
+++ b/Deep_Neural_Networks_Module.pptx
@@ -5756,7 +5756,15 @@
             </a:r>
             <a:r>
               <a:rPr dirty="0"/>
-              <a:t>, probabilistic &amp; generative models.</a:t>
+              <a:t>,</a:t>
+            </a:r>
+            <a:r>
+              <a:rPr lang="en-GB" dirty="0"/>
+              <a:t> and</a:t>
+            </a:r>
+            <a:r>
+              <a:rPr dirty="0"/>
+              <a:t> generative models.</a:t>
             </a:r>
             <a:endParaRPr lang="en-GB" dirty="0"/>
           </a:p>
@@ -5852,7 +5860,7 @@
           <a:p>
             <a:r>
               <a:rPr dirty="0"/>
-              <a:t>Level-7 Learning Outcomes</a:t>
+              <a:t>Learning Outcomes</a:t>
             </a:r>
           </a:p>
         </p:txBody>
@@ -5880,6 +5888,21 @@
               <a:t>Critically evaluate modern deep learning architectures and mathematical foundations.</a:t>
             </a:r>
             <a:endParaRPr lang="en-GB" dirty="0"/>
+          </a:p>
+          <a:p>
+            <a:pPr>
+              <a:defRPr sz="1800"/>
+            </a:pPr>
+            <a:endParaRPr lang="en-GB" dirty="0"/>
+          </a:p>
+          <a:p>
+            <a:pPr>
+              <a:defRPr sz="1800"/>
+            </a:pPr>
+            <a:r>
+              <a:rPr lang="en-GB" dirty="0"/>
+              <a:t>Basics of supervised and unsupervised machine learning</a:t>
+            </a:r>
           </a:p>
           <a:p>
             <a:pPr>
@@ -5997,7 +6020,31 @@
             </a:pPr>
             <a:r>
               <a:rPr dirty="0"/>
-              <a:t>Critically appraise recent research papers; communicate findings in written &amp; oral form.</a:t>
+              <a:t>Critically appraise recent research papers</a:t>
+            </a:r>
+            <a:endParaRPr lang="en-GB" dirty="0"/>
+          </a:p>
+          <a:p>
+            <a:pPr>
+              <a:defRPr sz="1800"/>
+            </a:pPr>
+            <a:endParaRPr lang="en-GB" dirty="0"/>
+          </a:p>
+          <a:p>
+            <a:pPr>
+              <a:defRPr sz="1800"/>
+            </a:pPr>
+            <a:r>
+              <a:rPr lang="en-GB" dirty="0"/>
+              <a:t>C</a:t>
+            </a:r>
+            <a:r>
+              <a:rPr dirty="0" err="1"/>
+              <a:t>ommunicate</a:t>
+            </a:r>
+            <a:r>
+              <a:rPr dirty="0"/>
+              <a:t> findings in written &amp; oral form.</a:t>
             </a:r>
             <a:endParaRPr lang="en-GB" dirty="0"/>
           </a:p>
@@ -6230,7 +6277,9 @@
         </p:nvSpPr>
         <p:spPr/>
         <p:txBody>
-          <a:bodyPr/>
+          <a:bodyPr>
+            <a:normAutofit lnSpcReduction="10000"/>
+          </a:bodyPr>
           <a:lstStyle/>
           <a:p>
             <a:pPr>
@@ -6254,7 +6303,15 @@
             </a:r>
             <a:r>
               <a:rPr dirty="0"/>
-              <a:t> refresher. Lab: Env setup, MLP, reproducibility.</a:t>
+              <a:t> refresher. Lab: Env</a:t>
+            </a:r>
+            <a:r>
+              <a:rPr lang="en-GB" dirty="0" err="1"/>
+              <a:t>ironment</a:t>
+            </a:r>
+            <a:r>
+              <a:rPr dirty="0"/>
+              <a:t> setup, reproducibility.</a:t>
             </a:r>
             <a:endParaRPr lang="en-GB" dirty="0"/>
           </a:p>
@@ -6262,6 +6319,21 @@
             <a:pPr>
               <a:defRPr sz="1800"/>
             </a:pPr>
+            <a:endParaRPr lang="en-GB" dirty="0"/>
+          </a:p>
+          <a:p>
+            <a:pPr>
+              <a:defRPr sz="1800"/>
+            </a:pPr>
+            <a:r>
+              <a:rPr lang="en-GB" dirty="0"/>
+              <a:t>Introduction to mathematical basics (gradients, gradient descent)</a:t>
+            </a:r>
+          </a:p>
+          <a:p>
+            <a:pPr>
+              <a:defRPr sz="1800"/>
+            </a:pPr>
             <a:endParaRPr dirty="0"/>
           </a:p>
           <a:p>
@@ -6270,39 +6342,68 @@
             </a:pPr>
             <a:r>
               <a:rPr dirty="0"/>
-              <a:t>Week 2: CNNs (conv, pooling, </a:t>
-            </a:r>
-            <a:r>
-              <a:rPr dirty="0" err="1"/>
+              <a:t>Week 2: </a:t>
+            </a:r>
+            <a:r>
+              <a:rPr lang="en-GB" dirty="0"/>
+              <a:t>Introduction to unsupervised and supervised machine learning</a:t>
+            </a:r>
+          </a:p>
+          <a:p>
+            <a:pPr>
+              <a:defRPr sz="1800"/>
+            </a:pPr>
+            <a:r>
+              <a:rPr lang="en-GB" dirty="0"/>
+              <a:t>PCA, autoencoder, logistic regression</a:t>
+            </a:r>
+          </a:p>
+          <a:p>
+            <a:pPr>
+              <a:defRPr sz="1800"/>
+            </a:pPr>
+            <a:r>
+              <a:rPr lang="en-GB" dirty="0"/>
+              <a:t>Introduction to MLP, backpropagation </a:t>
+            </a:r>
+          </a:p>
+          <a:p>
+            <a:pPr>
+              <a:defRPr sz="1800"/>
+            </a:pPr>
+            <a:endParaRPr lang="en-GB" dirty="0"/>
+          </a:p>
+          <a:p>
+            <a:pPr>
+              <a:defRPr sz="1800"/>
+            </a:pPr>
+            <a:endParaRPr lang="en-GB" dirty="0"/>
+          </a:p>
+          <a:p>
+            <a:pPr>
+              <a:defRPr sz="1800"/>
+            </a:pPr>
+            <a:endParaRPr dirty="0"/>
+          </a:p>
+          <a:p>
+            <a:pPr>
+              <a:defRPr sz="1800"/>
+            </a:pPr>
+            <a:r>
+              <a:rPr dirty="0"/>
+              <a:t>Week 3: </a:t>
+            </a:r>
+            <a:r>
+              <a:rPr lang="en-GB" dirty="0"/>
+              <a:t>CNNs (conv, pooling, </a:t>
+            </a:r>
+            <a:r>
+              <a:rPr lang="en-GB" dirty="0" err="1"/>
               <a:t>ResNet</a:t>
             </a:r>
             <a:r>
-              <a:rPr dirty="0"/>
-              <a:t>). Lab: Train CNN on CIFAR-10; </a:t>
-            </a:r>
-            <a:r>
-              <a:rPr dirty="0" err="1"/>
-              <a:t>visualise</a:t>
-            </a:r>
-            <a:r>
-              <a:rPr dirty="0"/>
-              <a:t> filters.</a:t>
-            </a:r>
-            <a:endParaRPr lang="en-GB" dirty="0"/>
-          </a:p>
-          <a:p>
-            <a:pPr>
-              <a:defRPr sz="1800"/>
-            </a:pPr>
-            <a:endParaRPr dirty="0"/>
-          </a:p>
-          <a:p>
-            <a:pPr>
-              <a:defRPr sz="1800"/>
-            </a:pPr>
-            <a:r>
-              <a:rPr dirty="0"/>
-              <a:t>Week 3: </a:t>
+              <a:rPr lang="en-GB" dirty="0"/>
+              <a:t>). Lab: Train CNN on CIFAR-10; visualise filters.  </a:t>
             </a:r>
             <a:r>
               <a:rPr dirty="0" err="1"/>
@@ -6543,7 +6644,22 @@
             </a:r>
             <a:r>
               <a:rPr lang="en-GB" dirty="0"/>
-              <a:t>9 to </a:t>
+              <a:t>9: Large language models, OpenAI API calls, Agentic systems, Labs </a:t>
+            </a:r>
+          </a:p>
+          <a:p>
+            <a:pPr>
+              <a:defRPr sz="1800"/>
+            </a:pPr>
+            <a:endParaRPr lang="en-GB" dirty="0"/>
+          </a:p>
+          <a:p>
+            <a:pPr>
+              <a:defRPr sz="1800"/>
+            </a:pPr>
+            <a:r>
+              <a:rPr lang="en-GB" dirty="0"/>
+              <a:t>Week </a:t>
             </a:r>
             <a:r>
               <a:rPr dirty="0"/>
@@ -6600,6 +6716,27 @@
               <a:rPr dirty="0"/>
               <a:t>Week 12: Student project presentations + synthesis.</a:t>
             </a:r>
+            <a:endParaRPr lang="en-GB" dirty="0"/>
+          </a:p>
+          <a:p>
+            <a:pPr>
+              <a:defRPr sz="1800"/>
+            </a:pPr>
+            <a:endParaRPr lang="en-GB" dirty="0"/>
+          </a:p>
+          <a:p>
+            <a:pPr>
+              <a:defRPr sz="1800"/>
+            </a:pPr>
+            <a:r>
+              <a:rPr lang="en-GB" dirty="0"/>
+              <a:t>Additional (if time permits</a:t>
+            </a:r>
+            <a:r>
+              <a:rPr lang="en-GB"/>
+              <a:t>): diffusion models</a:t>
+            </a:r>
+            <a:endParaRPr dirty="0"/>
           </a:p>
         </p:txBody>
       </p:sp>

--- a/Deep_Neural_Networks_Module.pptx
+++ b/Deep_Neural_Networks_Module.pptx
@@ -6730,11 +6730,7 @@
             </a:pPr>
             <a:r>
               <a:rPr lang="en-GB" dirty="0"/>
-              <a:t>Additional (if time permits</a:t>
-            </a:r>
-            <a:r>
-              <a:rPr lang="en-GB"/>
-              <a:t>): diffusion models</a:t>
+              <a:t>Additional (if time permits): diffusion models</a:t>
             </a:r>
             <a:endParaRPr dirty="0"/>
           </a:p>
